--- a/docs/awacs/desgin/业务流程图/医院预期系统业务流程图.pptx
+++ b/docs/awacs/desgin/业务流程图/医院预期系统业务流程图.pptx
@@ -3415,7 +3415,7 @@
         </p:nvSpPr>
         <p:spPr>
           <a:xfrm>
-            <a:off x="1259632" y="1988840"/>
+            <a:off x="1259632" y="1772816"/>
             <a:ext cx="3044155" cy="432048"/>
           </a:xfrm>
           <a:prstGeom prst="notchedRightArrow">
@@ -3453,16 +3453,24 @@
           <a:p>
             <a:pPr algn="ctr"/>
             <a:r>
-              <a:rPr lang="zh-CN" altLang="en-US" dirty="0" smtClean="0">
+              <a:rPr lang="zh-CN" altLang="en-US" b="1" dirty="0" smtClean="0">
                 <a:solidFill>
-                  <a:srgbClr val="FF0000"/>
+                  <a:srgbClr val="7030A0"/>
                 </a:solidFill>
               </a:rPr>
-              <a:t>上报客户端信息</a:t>
-            </a:r>
-            <a:endParaRPr lang="zh-CN" altLang="en-US" dirty="0">
+              <a:t>上报</a:t>
+            </a:r>
+            <a:r>
+              <a:rPr lang="zh-CN" altLang="en-US" b="1" dirty="0" smtClean="0">
+                <a:solidFill>
+                  <a:srgbClr val="7030A0"/>
+                </a:solidFill>
+              </a:rPr>
+              <a:t>客户端信息</a:t>
+            </a:r>
+            <a:endParaRPr lang="zh-CN" altLang="en-US" b="1" dirty="0">
               <a:solidFill>
-                <a:srgbClr val="FF0000"/>
+                <a:srgbClr val="7030A0"/>
               </a:solidFill>
             </a:endParaRPr>
           </a:p>
@@ -3565,6 +3573,288 @@
             <a:endParaRPr lang="zh-CN" altLang="en-US">
               <a:solidFill>
                 <a:schemeClr val="tx1"/>
+              </a:solidFill>
+            </a:endParaRPr>
+          </a:p>
+        </p:txBody>
+      </p:sp>
+      <p:sp>
+        <p:nvSpPr>
+          <p:cNvPr id="3" name="左箭头 2"/>
+          <p:cNvSpPr/>
+          <p:nvPr/>
+        </p:nvSpPr>
+        <p:spPr>
+          <a:xfrm>
+            <a:off x="4303787" y="2132856"/>
+            <a:ext cx="2983929" cy="504056"/>
+          </a:xfrm>
+          <a:prstGeom prst="leftArrow">
+            <a:avLst/>
+          </a:prstGeom>
+          <a:noFill/>
+          <a:ln>
+            <a:solidFill>
+              <a:schemeClr val="accent5">
+                <a:lumMod val="60000"/>
+                <a:lumOff val="40000"/>
+              </a:schemeClr>
+            </a:solidFill>
+          </a:ln>
+        </p:spPr>
+        <p:style>
+          <a:lnRef idx="2">
+            <a:schemeClr val="accent1">
+              <a:shade val="50000"/>
+            </a:schemeClr>
+          </a:lnRef>
+          <a:fillRef idx="1">
+            <a:schemeClr val="accent1"/>
+          </a:fillRef>
+          <a:effectRef idx="0">
+            <a:schemeClr val="accent1"/>
+          </a:effectRef>
+          <a:fontRef idx="minor">
+            <a:schemeClr val="lt1"/>
+          </a:fontRef>
+        </p:style>
+        <p:txBody>
+          <a:bodyPr rtlCol="0" anchor="ctr"/>
+          <a:lstStyle/>
+          <a:p>
+            <a:pPr algn="ctr"/>
+            <a:r>
+              <a:rPr lang="zh-CN" altLang="en-US" b="1" dirty="0" smtClean="0">
+                <a:solidFill>
+                  <a:srgbClr val="7030A0"/>
+                </a:solidFill>
+              </a:rPr>
+              <a:t>与服务器建立预警连接</a:t>
+            </a:r>
+            <a:endParaRPr lang="zh-CN" altLang="en-US" b="1" dirty="0">
+              <a:solidFill>
+                <a:srgbClr val="7030A0"/>
+              </a:solidFill>
+            </a:endParaRPr>
+          </a:p>
+        </p:txBody>
+      </p:sp>
+      <p:sp>
+        <p:nvSpPr>
+          <p:cNvPr id="18" name="燕尾形箭头 17"/>
+          <p:cNvSpPr/>
+          <p:nvPr/>
+        </p:nvSpPr>
+        <p:spPr>
+          <a:xfrm>
+            <a:off x="1265352" y="2780928"/>
+            <a:ext cx="3044155" cy="432048"/>
+          </a:xfrm>
+          <a:prstGeom prst="notchedRightArrow">
+            <a:avLst/>
+          </a:prstGeom>
+          <a:noFill/>
+          <a:ln>
+            <a:solidFill>
+              <a:srgbClr val="FF0000"/>
+            </a:solidFill>
+          </a:ln>
+        </p:spPr>
+        <p:style>
+          <a:lnRef idx="2">
+            <a:schemeClr val="accent1">
+              <a:shade val="50000"/>
+            </a:schemeClr>
+          </a:lnRef>
+          <a:fillRef idx="1">
+            <a:schemeClr val="accent1"/>
+          </a:fillRef>
+          <a:effectRef idx="0">
+            <a:schemeClr val="accent1"/>
+          </a:effectRef>
+          <a:fontRef idx="minor">
+            <a:schemeClr val="lt1"/>
+          </a:fontRef>
+        </p:style>
+        <p:txBody>
+          <a:bodyPr rtlCol="0" anchor="ctr"/>
+          <a:lstStyle/>
+          <a:p>
+            <a:pPr algn="ctr"/>
+            <a:r>
+              <a:rPr lang="zh-CN" altLang="en-US" b="1" dirty="0" smtClean="0">
+                <a:solidFill>
+                  <a:srgbClr val="7030A0"/>
+                </a:solidFill>
+              </a:rPr>
+              <a:t>报警</a:t>
+            </a:r>
+            <a:endParaRPr lang="zh-CN" altLang="en-US" b="1" dirty="0">
+              <a:solidFill>
+                <a:srgbClr val="7030A0"/>
+              </a:solidFill>
+            </a:endParaRPr>
+          </a:p>
+        </p:txBody>
+      </p:sp>
+      <p:sp>
+        <p:nvSpPr>
+          <p:cNvPr id="19" name="燕尾形箭头 18"/>
+          <p:cNvSpPr/>
+          <p:nvPr/>
+        </p:nvSpPr>
+        <p:spPr>
+          <a:xfrm>
+            <a:off x="4303787" y="2802652"/>
+            <a:ext cx="3044155" cy="432048"/>
+          </a:xfrm>
+          <a:prstGeom prst="notchedRightArrow">
+            <a:avLst/>
+          </a:prstGeom>
+          <a:noFill/>
+          <a:ln>
+            <a:solidFill>
+              <a:srgbClr val="FF0000"/>
+            </a:solidFill>
+          </a:ln>
+        </p:spPr>
+        <p:style>
+          <a:lnRef idx="2">
+            <a:schemeClr val="accent1">
+              <a:shade val="50000"/>
+            </a:schemeClr>
+          </a:lnRef>
+          <a:fillRef idx="1">
+            <a:schemeClr val="accent1"/>
+          </a:fillRef>
+          <a:effectRef idx="0">
+            <a:schemeClr val="accent1"/>
+          </a:effectRef>
+          <a:fontRef idx="minor">
+            <a:schemeClr val="lt1"/>
+          </a:fontRef>
+        </p:style>
+        <p:txBody>
+          <a:bodyPr rtlCol="0" anchor="ctr"/>
+          <a:lstStyle/>
+          <a:p>
+            <a:pPr algn="ctr"/>
+            <a:r>
+              <a:rPr lang="zh-CN" altLang="en-US" b="1" dirty="0" smtClean="0">
+                <a:solidFill>
+                  <a:srgbClr val="7030A0"/>
+                </a:solidFill>
+              </a:rPr>
+              <a:t>推送报警信息</a:t>
+            </a:r>
+            <a:endParaRPr lang="zh-CN" altLang="en-US" b="1" dirty="0">
+              <a:solidFill>
+                <a:srgbClr val="7030A0"/>
+              </a:solidFill>
+            </a:endParaRPr>
+          </a:p>
+        </p:txBody>
+      </p:sp>
+      <p:sp>
+        <p:nvSpPr>
+          <p:cNvPr id="20" name="右弧形箭头 19"/>
+          <p:cNvSpPr/>
+          <p:nvPr/>
+        </p:nvSpPr>
+        <p:spPr>
+          <a:xfrm>
+            <a:off x="7315864" y="3018676"/>
+            <a:ext cx="559643" cy="720080"/>
+          </a:xfrm>
+          <a:prstGeom prst="curvedLeftArrow">
+            <a:avLst/>
+          </a:prstGeom>
+          <a:solidFill>
+            <a:srgbClr val="FF0000"/>
+          </a:solidFill>
+          <a:ln>
+            <a:noFill/>
+          </a:ln>
+        </p:spPr>
+        <p:style>
+          <a:lnRef idx="2">
+            <a:schemeClr val="accent1">
+              <a:shade val="50000"/>
+            </a:schemeClr>
+          </a:lnRef>
+          <a:fillRef idx="1">
+            <a:schemeClr val="accent1"/>
+          </a:fillRef>
+          <a:effectRef idx="0">
+            <a:schemeClr val="accent1"/>
+          </a:effectRef>
+          <a:fontRef idx="minor">
+            <a:schemeClr val="lt1"/>
+          </a:fontRef>
+        </p:style>
+        <p:txBody>
+          <a:bodyPr rtlCol="0" anchor="ctr"/>
+          <a:lstStyle/>
+          <a:p>
+            <a:pPr algn="ctr"/>
+            <a:endParaRPr lang="zh-CN" altLang="en-US">
+              <a:solidFill>
+                <a:schemeClr val="tx1"/>
+              </a:solidFill>
+            </a:endParaRPr>
+          </a:p>
+        </p:txBody>
+      </p:sp>
+      <p:sp>
+        <p:nvSpPr>
+          <p:cNvPr id="21" name="椭圆形标注 20"/>
+          <p:cNvSpPr/>
+          <p:nvPr/>
+        </p:nvSpPr>
+        <p:spPr>
+          <a:xfrm>
+            <a:off x="7740352" y="3149136"/>
+            <a:ext cx="1009982" cy="697632"/>
+          </a:xfrm>
+          <a:prstGeom prst="wedgeEllipseCallout">
+            <a:avLst/>
+          </a:prstGeom>
+          <a:ln>
+            <a:prstDash val="sysDot"/>
+          </a:ln>
+        </p:spPr>
+        <p:style>
+          <a:lnRef idx="2">
+            <a:schemeClr val="accent1">
+              <a:shade val="50000"/>
+            </a:schemeClr>
+          </a:lnRef>
+          <a:fillRef idx="1001">
+            <a:schemeClr val="lt1"/>
+          </a:fillRef>
+          <a:effectRef idx="0">
+            <a:schemeClr val="accent1"/>
+          </a:effectRef>
+          <a:fontRef idx="minor">
+            <a:schemeClr val="lt1"/>
+          </a:fontRef>
+        </p:style>
+        <p:txBody>
+          <a:bodyPr rtlCol="0" anchor="ctr"/>
+          <a:lstStyle/>
+          <a:p>
+            <a:pPr algn="ctr"/>
+            <a:r>
+              <a:rPr lang="zh-CN" altLang="en-US" sz="1200" b="1" dirty="0" smtClean="0">
+                <a:solidFill>
+                  <a:srgbClr val="FF0000"/>
+                </a:solidFill>
+              </a:rPr>
+              <a:t>显示报警信息</a:t>
+            </a:r>
+            <a:endParaRPr lang="zh-CN" altLang="en-US" sz="1200" b="1" dirty="0">
+              <a:solidFill>
+                <a:srgbClr val="FF0000"/>
               </a:solidFill>
             </a:endParaRPr>
           </a:p>
